--- a/Module-02/Project/BDSE04-PFS-0322_Ida  Bagus Ketut Yoghantara_Presentation.pptx
+++ b/Module-02/Project/BDSE04-PFS-0322_Ida  Bagus Ketut Yoghantara_Presentation.pptx
@@ -226,7 +226,7 @@
           <a:p>
             <a:fld id="{3223D3F7-72BB-46BF-9BF0-7618DBA73C45}" type="datetimeFigureOut">
               <a:rPr lang="en-US" smtClean="0"/>
-              <a:t>7/8/2022</a:t>
+              <a:t>10-Jul-22</a:t>
             </a:fld>
             <a:endParaRPr lang="en-US"/>
           </a:p>
@@ -1619,7 +1619,7 @@
           <a:p>
             <a:fld id="{1D8BD707-D9CF-40AE-B4C6-C98DA3205C09}" type="datetimeFigureOut">
               <a:rPr lang="en-US"/>
-              <a:t>7/8/2022</a:t>
+              <a:t>10-Jul-22</a:t>
             </a:fld>
             <a:endParaRPr lang="en-US"/>
           </a:p>
@@ -1794,7 +1794,7 @@
           <a:p>
             <a:fld id="{1D8BD707-D9CF-40AE-B4C6-C98DA3205C09}" type="datetimeFigureOut">
               <a:rPr lang="en-US"/>
-              <a:t>7/8/2022</a:t>
+              <a:t>10-Jul-22</a:t>
             </a:fld>
             <a:endParaRPr lang="en-US"/>
           </a:p>
@@ -2008,7 +2008,7 @@
           <a:p>
             <a:fld id="{1D8BD707-D9CF-40AE-B4C6-C98DA3205C09}" type="datetimeFigureOut">
               <a:rPr lang="en-US"/>
-              <a:t>7/8/2022</a:t>
+              <a:t>10-Jul-22</a:t>
             </a:fld>
             <a:endParaRPr lang="en-US"/>
           </a:p>
@@ -2156,7 +2156,7 @@
           <a:p>
             <a:fld id="{1D8BD707-D9CF-40AE-B4C6-C98DA3205C09}" type="datetimeFigureOut">
               <a:rPr lang="en-US"/>
-              <a:t>7/8/2022</a:t>
+              <a:t>10-Jul-22</a:t>
             </a:fld>
             <a:endParaRPr lang="en-US"/>
           </a:p>
@@ -2275,7 +2275,7 @@
           <a:p>
             <a:fld id="{1D8BD707-D9CF-40AE-B4C6-C98DA3205C09}" type="datetimeFigureOut">
               <a:rPr lang="en-US"/>
-              <a:t>7/8/2022</a:t>
+              <a:t>10-Jul-22</a:t>
             </a:fld>
             <a:endParaRPr lang="en-US"/>
           </a:p>
@@ -2455,7 +2455,7 @@
           <a:p>
             <a:fld id="{D16D312C-E0C9-45B7-B66E-504AB149BD39}" type="datetimeFigureOut">
               <a:rPr lang="en-US" smtClean="0"/>
-              <a:t>7/8/2022</a:t>
+              <a:t>10-Jul-22</a:t>
             </a:fld>
             <a:endParaRPr lang="en-US"/>
           </a:p>
@@ -2797,7 +2797,7 @@
           <a:p>
             <a:fld id="{1D8BD707-D9CF-40AE-B4C6-C98DA3205C09}" type="datetimeFigureOut">
               <a:rPr lang="en-US"/>
-              <a:t>7/8/2022</a:t>
+              <a:t>10-Jul-22</a:t>
             </a:fld>
             <a:endParaRPr lang="en-US"/>
           </a:p>
@@ -13136,10 +13136,10 @@
       </p:sp>
       <p:pic>
         <p:nvPicPr>
-          <p:cNvPr id="9" name="Picture 8">
+          <p:cNvPr id="3" name="Picture 2">
             <a:extLst>
               <a:ext uri="{FF2B5EF4-FFF2-40B4-BE49-F238E27FC236}">
-                <a16:creationId xmlns:a16="http://schemas.microsoft.com/office/drawing/2014/main" id="{7879F54F-4B09-4948-9567-A429EDF1B742}"/>
+                <a16:creationId xmlns:a16="http://schemas.microsoft.com/office/drawing/2014/main" id="{2AB8CB96-FB5D-4E43-A39B-3A98441B548B}"/>
               </a:ext>
             </a:extLst>
           </p:cNvPr>
@@ -13162,8 +13162,8 @@
         </p:blipFill>
         <p:spPr>
           <a:xfrm>
-            <a:off x="2864205" y="874403"/>
-            <a:ext cx="2872678" cy="5923143"/>
+            <a:off x="2667000" y="883410"/>
+            <a:ext cx="3520597" cy="5867400"/>
           </a:xfrm>
           <a:prstGeom prst="rect">
             <a:avLst/>
